--- a/Assignment 2 Main/Document/User-personas-justinmind-Template/User-personas-justinmind-Template.pptx
+++ b/Assignment 2 Main/Document/User-personas-justinmind-Template/User-personas-justinmind-Template.pptx
@@ -209,7 +209,7 @@
           <a:p>
             <a:fld id="{EEAB6674-EB27-994C-A905-1D122DBD1C2E}" type="datetimeFigureOut">
               <a:rPr lang="en-US" smtClean="0"/>
-              <a:t>4/12/2022</a:t>
+              <a:t>4/13/2022</a:t>
             </a:fld>
             <a:endParaRPr lang="en-US"/>
           </a:p>
@@ -826,7 +826,7 @@
           <a:p>
             <a:fld id="{51F8EF0B-12BF-FB45-8F30-C3AAC4427A0F}" type="datetimeFigureOut">
               <a:rPr lang="en-US" smtClean="0"/>
-              <a:t>4/12/2022</a:t>
+              <a:t>4/13/2022</a:t>
             </a:fld>
             <a:endParaRPr lang="en-US"/>
           </a:p>
@@ -996,7 +996,7 @@
           <a:p>
             <a:fld id="{51F8EF0B-12BF-FB45-8F30-C3AAC4427A0F}" type="datetimeFigureOut">
               <a:rPr lang="en-US" smtClean="0"/>
-              <a:t>4/12/2022</a:t>
+              <a:t>4/13/2022</a:t>
             </a:fld>
             <a:endParaRPr lang="en-US"/>
           </a:p>
@@ -1176,7 +1176,7 @@
           <a:p>
             <a:fld id="{51F8EF0B-12BF-FB45-8F30-C3AAC4427A0F}" type="datetimeFigureOut">
               <a:rPr lang="en-US" smtClean="0"/>
-              <a:t>4/12/2022</a:t>
+              <a:t>4/13/2022</a:t>
             </a:fld>
             <a:endParaRPr lang="en-US"/>
           </a:p>
@@ -1346,7 +1346,7 @@
           <a:p>
             <a:fld id="{51F8EF0B-12BF-FB45-8F30-C3AAC4427A0F}" type="datetimeFigureOut">
               <a:rPr lang="en-US" smtClean="0"/>
-              <a:t>4/12/2022</a:t>
+              <a:t>4/13/2022</a:t>
             </a:fld>
             <a:endParaRPr lang="en-US"/>
           </a:p>
@@ -1592,7 +1592,7 @@
           <a:p>
             <a:fld id="{51F8EF0B-12BF-FB45-8F30-C3AAC4427A0F}" type="datetimeFigureOut">
               <a:rPr lang="en-US" smtClean="0"/>
-              <a:t>4/12/2022</a:t>
+              <a:t>4/13/2022</a:t>
             </a:fld>
             <a:endParaRPr lang="en-US"/>
           </a:p>
@@ -1880,7 +1880,7 @@
           <a:p>
             <a:fld id="{51F8EF0B-12BF-FB45-8F30-C3AAC4427A0F}" type="datetimeFigureOut">
               <a:rPr lang="en-US" smtClean="0"/>
-              <a:t>4/12/2022</a:t>
+              <a:t>4/13/2022</a:t>
             </a:fld>
             <a:endParaRPr lang="en-US"/>
           </a:p>
@@ -2302,7 +2302,7 @@
           <a:p>
             <a:fld id="{51F8EF0B-12BF-FB45-8F30-C3AAC4427A0F}" type="datetimeFigureOut">
               <a:rPr lang="en-US" smtClean="0"/>
-              <a:t>4/12/2022</a:t>
+              <a:t>4/13/2022</a:t>
             </a:fld>
             <a:endParaRPr lang="en-US"/>
           </a:p>
@@ -2420,7 +2420,7 @@
           <a:p>
             <a:fld id="{51F8EF0B-12BF-FB45-8F30-C3AAC4427A0F}" type="datetimeFigureOut">
               <a:rPr lang="en-US" smtClean="0"/>
-              <a:t>4/12/2022</a:t>
+              <a:t>4/13/2022</a:t>
             </a:fld>
             <a:endParaRPr lang="en-US"/>
           </a:p>
@@ -2515,7 +2515,7 @@
           <a:p>
             <a:fld id="{51F8EF0B-12BF-FB45-8F30-C3AAC4427A0F}" type="datetimeFigureOut">
               <a:rPr lang="en-US" smtClean="0"/>
-              <a:t>4/12/2022</a:t>
+              <a:t>4/13/2022</a:t>
             </a:fld>
             <a:endParaRPr lang="en-US"/>
           </a:p>
@@ -2792,7 +2792,7 @@
           <a:p>
             <a:fld id="{51F8EF0B-12BF-FB45-8F30-C3AAC4427A0F}" type="datetimeFigureOut">
               <a:rPr lang="en-US" smtClean="0"/>
-              <a:t>4/12/2022</a:t>
+              <a:t>4/13/2022</a:t>
             </a:fld>
             <a:endParaRPr lang="en-US"/>
           </a:p>
@@ -3045,7 +3045,7 @@
           <a:p>
             <a:fld id="{51F8EF0B-12BF-FB45-8F30-C3AAC4427A0F}" type="datetimeFigureOut">
               <a:rPr lang="en-US" smtClean="0"/>
-              <a:t>4/12/2022</a:t>
+              <a:t>4/13/2022</a:t>
             </a:fld>
             <a:endParaRPr lang="en-US"/>
           </a:p>
@@ -3258,7 +3258,7 @@
           <a:p>
             <a:fld id="{51F8EF0B-12BF-FB45-8F30-C3AAC4427A0F}" type="datetimeFigureOut">
               <a:rPr lang="en-US" smtClean="0"/>
-              <a:t>4/12/2022</a:t>
+              <a:t>4/13/2022</a:t>
             </a:fld>
             <a:endParaRPr lang="en-US"/>
           </a:p>
@@ -4244,7 +4244,7 @@
         <p:spPr>
           <a:xfrm>
             <a:off x="4853163" y="4551317"/>
-            <a:ext cx="2092471" cy="2308324"/>
+            <a:ext cx="2092471" cy="2516073"/>
           </a:xfrm>
           <a:prstGeom prst="rect">
             <a:avLst/>
@@ -4338,7 +4338,7 @@
             </a:pPr>
             <a:r>
               <a:rPr lang="en-US" sz="900" dirty="0"/>
-              <a:t>Problem with available solutions</a:t>
+              <a:t>Problem with available solutions and the company’s application support.</a:t>
             </a:r>
           </a:p>
           <a:p>
@@ -7032,7 +7032,22 @@
                   <a:schemeClr val="bg1"/>
                 </a:solidFill>
               </a:rPr>
-              <a:t>“I am looking for a site that will simplify the search and give more insight of the apps”</a:t>
+              <a:t>“I am looking for a web application from a reputed company and good </a:t>
+            </a:r>
+          </a:p>
+          <a:p>
+            <a:pPr>
+              <a:lnSpc>
+                <a:spcPct val="140000"/>
+              </a:lnSpc>
+            </a:pPr>
+            <a:r>
+              <a:rPr lang="en-GB" sz="900" dirty="0">
+                <a:solidFill>
+                  <a:schemeClr val="bg1"/>
+                </a:solidFill>
+              </a:rPr>
+              <a:t>online support”</a:t>
             </a:r>
             <a:endParaRPr lang="en-US" sz="900" dirty="0"/>
           </a:p>
@@ -10274,7 +10289,7 @@
           <a:graphicData uri="http://schemas.openxmlformats.org/presentationml/2006/ole">
             <mc:AlternateContent xmlns:mc="http://schemas.openxmlformats.org/markup-compatibility/2006">
               <mc:Choice xmlns:v="urn:schemas-microsoft-com:vml" Requires="v">
-                <p:oleObj spid="_x0000_s2095" r:id="rId5" imgW="8710920" imgH="12444120" progId="Photoshop.Image.11">
+                <p:oleObj spid="_x0000_s2100" r:id="rId5" imgW="8710920" imgH="12444120" progId="Photoshop.Image.11">
                   <p:embed/>
                 </p:oleObj>
               </mc:Choice>
@@ -10343,7 +10358,7 @@
           <a:graphicData uri="http://schemas.openxmlformats.org/presentationml/2006/ole">
             <mc:AlternateContent xmlns:mc="http://schemas.openxmlformats.org/markup-compatibility/2006">
               <mc:Choice xmlns:v="urn:schemas-microsoft-com:vml" Requires="v">
-                <p:oleObj spid="_x0000_s2096" r:id="rId7" imgW="3314160" imgH="4088880" progId="Photoshop.Image.11">
+                <p:oleObj spid="_x0000_s2101" r:id="rId7" imgW="3314160" imgH="4088880" progId="Photoshop.Image.11">
                   <p:embed/>
                 </p:oleObj>
               </mc:Choice>
@@ -10406,7 +10421,7 @@
           <a:graphicData uri="http://schemas.openxmlformats.org/presentationml/2006/ole">
             <mc:AlternateContent xmlns:mc="http://schemas.openxmlformats.org/markup-compatibility/2006">
               <mc:Choice xmlns:v="urn:schemas-microsoft-com:vml" Requires="v">
-                <p:oleObj spid="_x0000_s2097" r:id="rId9" imgW="1587240" imgH="1841040" progId="Photoshop.Image.11">
+                <p:oleObj spid="_x0000_s2102" r:id="rId9" imgW="1587240" imgH="1841040" progId="Photoshop.Image.11">
                   <p:embed/>
                 </p:oleObj>
               </mc:Choice>
@@ -10469,7 +10484,7 @@
           <a:graphicData uri="http://schemas.openxmlformats.org/presentationml/2006/ole">
             <mc:AlternateContent xmlns:mc="http://schemas.openxmlformats.org/markup-compatibility/2006">
               <mc:Choice xmlns:v="urn:schemas-microsoft-com:vml" Requires="v">
-                <p:oleObj spid="_x0000_s2098" r:id="rId11" imgW="6501240" imgH="5942520" progId="Photoshop.Image.11">
+                <p:oleObj spid="_x0000_s2103" r:id="rId11" imgW="6501240" imgH="5942520" progId="Photoshop.Image.11">
                   <p:embed/>
                 </p:oleObj>
               </mc:Choice>
@@ -10532,7 +10547,7 @@
           <a:graphicData uri="http://schemas.openxmlformats.org/presentationml/2006/ole">
             <mc:AlternateContent xmlns:mc="http://schemas.openxmlformats.org/markup-compatibility/2006">
               <mc:Choice xmlns:v="urn:schemas-microsoft-com:vml" Requires="v">
-                <p:oleObj spid="_x0000_s2099" r:id="rId13" imgW="6450480" imgH="5612400" progId="Photoshop.Image.11">
+                <p:oleObj spid="_x0000_s2104" r:id="rId13" imgW="6450480" imgH="5612400" progId="Photoshop.Image.11">
                   <p:embed/>
                 </p:oleObj>
               </mc:Choice>
